--- a/第2章-Python程序设计基础/第3节-python库调用-2课时.pptx
+++ b/第2章-Python程序设计基础/第3节-python库调用-2课时.pptx
@@ -559,138 +559,6 @@
     </pc:docChg>
   </pc:docChgLst>
   <pc:docChgLst>
-    <pc:chgData name="Xin Luo" userId="82312ee5779919a4" providerId="LiveId" clId="{A508F461-0D73-864F-B88A-277BCD613B0A}"/>
-    <pc:docChg chg="modSld">
-      <pc:chgData name="Xin Luo" userId="82312ee5779919a4" providerId="LiveId" clId="{A508F461-0D73-864F-B88A-277BCD613B0A}" dt="2023-09-11T02:08:48.074" v="121" actId="1076"/>
-      <pc:docMkLst>
-        <pc:docMk/>
-      </pc:docMkLst>
-      <pc:sldChg chg="modSp mod">
-        <pc:chgData name="Xin Luo" userId="82312ee5779919a4" providerId="LiveId" clId="{A508F461-0D73-864F-B88A-277BCD613B0A}" dt="2023-09-11T01:25:36.157" v="49" actId="255"/>
-        <pc:sldMkLst>
-          <pc:docMk/>
-          <pc:sldMk cId="1209572041" sldId="2722"/>
-        </pc:sldMkLst>
-        <pc:spChg chg="mod">
-          <ac:chgData name="Xin Luo" userId="82312ee5779919a4" providerId="LiveId" clId="{A508F461-0D73-864F-B88A-277BCD613B0A}" dt="2023-09-11T01:25:36.157" v="49" actId="255"/>
-          <ac:spMkLst>
-            <pc:docMk/>
-            <pc:sldMk cId="1209572041" sldId="2722"/>
-            <ac:spMk id="13" creationId="{303BC878-BC57-D350-27A3-F03AE48213AC}"/>
-          </ac:spMkLst>
-        </pc:spChg>
-      </pc:sldChg>
-      <pc:sldChg chg="modSp mod">
-        <pc:chgData name="Xin Luo" userId="82312ee5779919a4" providerId="LiveId" clId="{A508F461-0D73-864F-B88A-277BCD613B0A}" dt="2023-09-11T02:08:48.074" v="121" actId="1076"/>
-        <pc:sldMkLst>
-          <pc:docMk/>
-          <pc:sldMk cId="3151170836" sldId="2742"/>
-        </pc:sldMkLst>
-        <pc:spChg chg="mod">
-          <ac:chgData name="Xin Luo" userId="82312ee5779919a4" providerId="LiveId" clId="{A508F461-0D73-864F-B88A-277BCD613B0A}" dt="2023-09-11T02:08:48.074" v="121" actId="1076"/>
-          <ac:spMkLst>
-            <pc:docMk/>
-            <pc:sldMk cId="3151170836" sldId="2742"/>
-            <ac:spMk id="6" creationId="{FA343B24-C04E-C7D0-D427-DA131ECB74AB}"/>
-          </ac:spMkLst>
-        </pc:spChg>
-      </pc:sldChg>
-      <pc:sldChg chg="modSp mod">
-        <pc:chgData name="Xin Luo" userId="82312ee5779919a4" providerId="LiveId" clId="{A508F461-0D73-864F-B88A-277BCD613B0A}" dt="2023-09-11T01:24:19.474" v="26" actId="255"/>
-        <pc:sldMkLst>
-          <pc:docMk/>
-          <pc:sldMk cId="3741103209" sldId="2745"/>
-        </pc:sldMkLst>
-        <pc:spChg chg="mod">
-          <ac:chgData name="Xin Luo" userId="82312ee5779919a4" providerId="LiveId" clId="{A508F461-0D73-864F-B88A-277BCD613B0A}" dt="2023-09-11T01:24:19.474" v="26" actId="255"/>
-          <ac:spMkLst>
-            <pc:docMk/>
-            <pc:sldMk cId="3741103209" sldId="2745"/>
-            <ac:spMk id="17" creationId="{9E05FFCA-3371-AF5C-381D-71D984055F5A}"/>
-          </ac:spMkLst>
-        </pc:spChg>
-      </pc:sldChg>
-      <pc:sldChg chg="modSp mod">
-        <pc:chgData name="Xin Luo" userId="82312ee5779919a4" providerId="LiveId" clId="{A508F461-0D73-864F-B88A-277BCD613B0A}" dt="2023-09-11T01:25:10.921" v="46" actId="1035"/>
-        <pc:sldMkLst>
-          <pc:docMk/>
-          <pc:sldMk cId="2081473989" sldId="2748"/>
-        </pc:sldMkLst>
-        <pc:spChg chg="mod">
-          <ac:chgData name="Xin Luo" userId="82312ee5779919a4" providerId="LiveId" clId="{A508F461-0D73-864F-B88A-277BCD613B0A}" dt="2023-09-11T01:25:10.921" v="46" actId="1035"/>
-          <ac:spMkLst>
-            <pc:docMk/>
-            <pc:sldMk cId="2081473989" sldId="2748"/>
-            <ac:spMk id="15" creationId="{DAE75BEB-15B0-6AD3-FEA5-24688F0C9399}"/>
-          </ac:spMkLst>
-        </pc:spChg>
-        <pc:spChg chg="mod">
-          <ac:chgData name="Xin Luo" userId="82312ee5779919a4" providerId="LiveId" clId="{A508F461-0D73-864F-B88A-277BCD613B0A}" dt="2023-09-11T01:25:10.921" v="46" actId="1035"/>
-          <ac:spMkLst>
-            <pc:docMk/>
-            <pc:sldMk cId="2081473989" sldId="2748"/>
-            <ac:spMk id="16" creationId="{011A1F98-9159-4FE6-698D-1B0B7EFC1F4C}"/>
-          </ac:spMkLst>
-        </pc:spChg>
-        <pc:spChg chg="mod">
-          <ac:chgData name="Xin Luo" userId="82312ee5779919a4" providerId="LiveId" clId="{A508F461-0D73-864F-B88A-277BCD613B0A}" dt="2023-09-11T01:25:03.190" v="37" actId="2710"/>
-          <ac:spMkLst>
-            <pc:docMk/>
-            <pc:sldMk cId="2081473989" sldId="2748"/>
-            <ac:spMk id="17" creationId="{9E05FFCA-3371-AF5C-381D-71D984055F5A}"/>
-          </ac:spMkLst>
-        </pc:spChg>
-        <pc:picChg chg="mod">
-          <ac:chgData name="Xin Luo" userId="82312ee5779919a4" providerId="LiveId" clId="{A508F461-0D73-864F-B88A-277BCD613B0A}" dt="2023-09-11T01:25:10.921" v="46" actId="1035"/>
-          <ac:picMkLst>
-            <pc:docMk/>
-            <pc:sldMk cId="2081473989" sldId="2748"/>
-            <ac:picMk id="8" creationId="{79143EB1-6171-6D6B-E065-52F98AD03CCA}"/>
-          </ac:picMkLst>
-        </pc:picChg>
-        <pc:picChg chg="mod">
-          <ac:chgData name="Xin Luo" userId="82312ee5779919a4" providerId="LiveId" clId="{A508F461-0D73-864F-B88A-277BCD613B0A}" dt="2023-09-11T01:25:10.921" v="46" actId="1035"/>
-          <ac:picMkLst>
-            <pc:docMk/>
-            <pc:sldMk cId="2081473989" sldId="2748"/>
-            <ac:picMk id="12" creationId="{CD5784D5-D55B-B02C-C48B-B4566A95D7A5}"/>
-          </ac:picMkLst>
-        </pc:picChg>
-      </pc:sldChg>
-      <pc:sldChg chg="modSp mod">
-        <pc:chgData name="Xin Luo" userId="82312ee5779919a4" providerId="LiveId" clId="{A508F461-0D73-864F-B88A-277BCD613B0A}" dt="2023-09-11T01:23:28.376" v="25" actId="1037"/>
-        <pc:sldMkLst>
-          <pc:docMk/>
-          <pc:sldMk cId="2927474256" sldId="2754"/>
-        </pc:sldMkLst>
-        <pc:spChg chg="mod">
-          <ac:chgData name="Xin Luo" userId="82312ee5779919a4" providerId="LiveId" clId="{A508F461-0D73-864F-B88A-277BCD613B0A}" dt="2023-09-11T01:23:28.376" v="25" actId="1037"/>
-          <ac:spMkLst>
-            <pc:docMk/>
-            <pc:sldMk cId="2927474256" sldId="2754"/>
-            <ac:spMk id="17" creationId="{8CFF8A22-C033-47DF-8707-CA76F142CBBA}"/>
-          </ac:spMkLst>
-        </pc:spChg>
-        <pc:grpChg chg="mod">
-          <ac:chgData name="Xin Luo" userId="82312ee5779919a4" providerId="LiveId" clId="{A508F461-0D73-864F-B88A-277BCD613B0A}" dt="2023-09-11T01:23:15.792" v="0" actId="1037"/>
-          <ac:grpSpMkLst>
-            <pc:docMk/>
-            <pc:sldMk cId="2927474256" sldId="2754"/>
-            <ac:grpSpMk id="20" creationId="{8AA7B3E2-1D42-96C9-43F0-1F320D3EFD63}"/>
-          </ac:grpSpMkLst>
-        </pc:grpChg>
-        <pc:picChg chg="mod">
-          <ac:chgData name="Xin Luo" userId="82312ee5779919a4" providerId="LiveId" clId="{A508F461-0D73-864F-B88A-277BCD613B0A}" dt="2023-09-11T01:23:18.846" v="10" actId="1038"/>
-          <ac:picMkLst>
-            <pc:docMk/>
-            <pc:sldMk cId="2927474256" sldId="2754"/>
-            <ac:picMk id="9" creationId="{0CF46726-2B51-43A4-FDEF-A6131C46F05F}"/>
-          </ac:picMkLst>
-        </pc:picChg>
-      </pc:sldChg>
-    </pc:docChg>
-  </pc:docChgLst>
-  <pc:docChgLst>
     <pc:chgData name="Xin Luo" userId="82312ee5779919a4" providerId="LiveId" clId="{98EC8ECB-A80D-1449-ACFE-0D931F29C13A}"/>
     <pc:docChg chg="undo custSel addSld delSld modSld">
       <pc:chgData name="Xin Luo" userId="82312ee5779919a4" providerId="LiveId" clId="{98EC8ECB-A80D-1449-ACFE-0D931F29C13A}" dt="2023-02-23T15:47:30.471" v="734" actId="478"/>
@@ -1120,6 +988,138 @@
             <pc:docMk/>
             <pc:sldMk cId="655142816" sldId="2737"/>
             <ac:picMk id="1032" creationId="{BFA8C7BD-9CEC-ADA1-21BA-0EE8338C6EA3}"/>
+          </ac:picMkLst>
+        </pc:picChg>
+      </pc:sldChg>
+    </pc:docChg>
+  </pc:docChgLst>
+  <pc:docChgLst>
+    <pc:chgData name="Xin Luo" userId="82312ee5779919a4" providerId="LiveId" clId="{A508F461-0D73-864F-B88A-277BCD613B0A}"/>
+    <pc:docChg chg="modSld">
+      <pc:chgData name="Xin Luo" userId="82312ee5779919a4" providerId="LiveId" clId="{A508F461-0D73-864F-B88A-277BCD613B0A}" dt="2023-09-11T02:08:48.074" v="121" actId="1076"/>
+      <pc:docMkLst>
+        <pc:docMk/>
+      </pc:docMkLst>
+      <pc:sldChg chg="modSp mod">
+        <pc:chgData name="Xin Luo" userId="82312ee5779919a4" providerId="LiveId" clId="{A508F461-0D73-864F-B88A-277BCD613B0A}" dt="2023-09-11T01:25:36.157" v="49" actId="255"/>
+        <pc:sldMkLst>
+          <pc:docMk/>
+          <pc:sldMk cId="1209572041" sldId="2722"/>
+        </pc:sldMkLst>
+        <pc:spChg chg="mod">
+          <ac:chgData name="Xin Luo" userId="82312ee5779919a4" providerId="LiveId" clId="{A508F461-0D73-864F-B88A-277BCD613B0A}" dt="2023-09-11T01:25:36.157" v="49" actId="255"/>
+          <ac:spMkLst>
+            <pc:docMk/>
+            <pc:sldMk cId="1209572041" sldId="2722"/>
+            <ac:spMk id="13" creationId="{303BC878-BC57-D350-27A3-F03AE48213AC}"/>
+          </ac:spMkLst>
+        </pc:spChg>
+      </pc:sldChg>
+      <pc:sldChg chg="modSp mod">
+        <pc:chgData name="Xin Luo" userId="82312ee5779919a4" providerId="LiveId" clId="{A508F461-0D73-864F-B88A-277BCD613B0A}" dt="2023-09-11T02:08:48.074" v="121" actId="1076"/>
+        <pc:sldMkLst>
+          <pc:docMk/>
+          <pc:sldMk cId="3151170836" sldId="2742"/>
+        </pc:sldMkLst>
+        <pc:spChg chg="mod">
+          <ac:chgData name="Xin Luo" userId="82312ee5779919a4" providerId="LiveId" clId="{A508F461-0D73-864F-B88A-277BCD613B0A}" dt="2023-09-11T02:08:48.074" v="121" actId="1076"/>
+          <ac:spMkLst>
+            <pc:docMk/>
+            <pc:sldMk cId="3151170836" sldId="2742"/>
+            <ac:spMk id="6" creationId="{FA343B24-C04E-C7D0-D427-DA131ECB74AB}"/>
+          </ac:spMkLst>
+        </pc:spChg>
+      </pc:sldChg>
+      <pc:sldChg chg="modSp mod">
+        <pc:chgData name="Xin Luo" userId="82312ee5779919a4" providerId="LiveId" clId="{A508F461-0D73-864F-B88A-277BCD613B0A}" dt="2023-09-11T01:24:19.474" v="26" actId="255"/>
+        <pc:sldMkLst>
+          <pc:docMk/>
+          <pc:sldMk cId="3741103209" sldId="2745"/>
+        </pc:sldMkLst>
+        <pc:spChg chg="mod">
+          <ac:chgData name="Xin Luo" userId="82312ee5779919a4" providerId="LiveId" clId="{A508F461-0D73-864F-B88A-277BCD613B0A}" dt="2023-09-11T01:24:19.474" v="26" actId="255"/>
+          <ac:spMkLst>
+            <pc:docMk/>
+            <pc:sldMk cId="3741103209" sldId="2745"/>
+            <ac:spMk id="17" creationId="{9E05FFCA-3371-AF5C-381D-71D984055F5A}"/>
+          </ac:spMkLst>
+        </pc:spChg>
+      </pc:sldChg>
+      <pc:sldChg chg="modSp mod">
+        <pc:chgData name="Xin Luo" userId="82312ee5779919a4" providerId="LiveId" clId="{A508F461-0D73-864F-B88A-277BCD613B0A}" dt="2023-09-11T01:25:10.921" v="46" actId="1035"/>
+        <pc:sldMkLst>
+          <pc:docMk/>
+          <pc:sldMk cId="2081473989" sldId="2748"/>
+        </pc:sldMkLst>
+        <pc:spChg chg="mod">
+          <ac:chgData name="Xin Luo" userId="82312ee5779919a4" providerId="LiveId" clId="{A508F461-0D73-864F-B88A-277BCD613B0A}" dt="2023-09-11T01:25:10.921" v="46" actId="1035"/>
+          <ac:spMkLst>
+            <pc:docMk/>
+            <pc:sldMk cId="2081473989" sldId="2748"/>
+            <ac:spMk id="15" creationId="{DAE75BEB-15B0-6AD3-FEA5-24688F0C9399}"/>
+          </ac:spMkLst>
+        </pc:spChg>
+        <pc:spChg chg="mod">
+          <ac:chgData name="Xin Luo" userId="82312ee5779919a4" providerId="LiveId" clId="{A508F461-0D73-864F-B88A-277BCD613B0A}" dt="2023-09-11T01:25:10.921" v="46" actId="1035"/>
+          <ac:spMkLst>
+            <pc:docMk/>
+            <pc:sldMk cId="2081473989" sldId="2748"/>
+            <ac:spMk id="16" creationId="{011A1F98-9159-4FE6-698D-1B0B7EFC1F4C}"/>
+          </ac:spMkLst>
+        </pc:spChg>
+        <pc:spChg chg="mod">
+          <ac:chgData name="Xin Luo" userId="82312ee5779919a4" providerId="LiveId" clId="{A508F461-0D73-864F-B88A-277BCD613B0A}" dt="2023-09-11T01:25:03.190" v="37" actId="2710"/>
+          <ac:spMkLst>
+            <pc:docMk/>
+            <pc:sldMk cId="2081473989" sldId="2748"/>
+            <ac:spMk id="17" creationId="{9E05FFCA-3371-AF5C-381D-71D984055F5A}"/>
+          </ac:spMkLst>
+        </pc:spChg>
+        <pc:picChg chg="mod">
+          <ac:chgData name="Xin Luo" userId="82312ee5779919a4" providerId="LiveId" clId="{A508F461-0D73-864F-B88A-277BCD613B0A}" dt="2023-09-11T01:25:10.921" v="46" actId="1035"/>
+          <ac:picMkLst>
+            <pc:docMk/>
+            <pc:sldMk cId="2081473989" sldId="2748"/>
+            <ac:picMk id="8" creationId="{79143EB1-6171-6D6B-E065-52F98AD03CCA}"/>
+          </ac:picMkLst>
+        </pc:picChg>
+        <pc:picChg chg="mod">
+          <ac:chgData name="Xin Luo" userId="82312ee5779919a4" providerId="LiveId" clId="{A508F461-0D73-864F-B88A-277BCD613B0A}" dt="2023-09-11T01:25:10.921" v="46" actId="1035"/>
+          <ac:picMkLst>
+            <pc:docMk/>
+            <pc:sldMk cId="2081473989" sldId="2748"/>
+            <ac:picMk id="12" creationId="{CD5784D5-D55B-B02C-C48B-B4566A95D7A5}"/>
+          </ac:picMkLst>
+        </pc:picChg>
+      </pc:sldChg>
+      <pc:sldChg chg="modSp mod">
+        <pc:chgData name="Xin Luo" userId="82312ee5779919a4" providerId="LiveId" clId="{A508F461-0D73-864F-B88A-277BCD613B0A}" dt="2023-09-11T01:23:28.376" v="25" actId="1037"/>
+        <pc:sldMkLst>
+          <pc:docMk/>
+          <pc:sldMk cId="2927474256" sldId="2754"/>
+        </pc:sldMkLst>
+        <pc:spChg chg="mod">
+          <ac:chgData name="Xin Luo" userId="82312ee5779919a4" providerId="LiveId" clId="{A508F461-0D73-864F-B88A-277BCD613B0A}" dt="2023-09-11T01:23:28.376" v="25" actId="1037"/>
+          <ac:spMkLst>
+            <pc:docMk/>
+            <pc:sldMk cId="2927474256" sldId="2754"/>
+            <ac:spMk id="17" creationId="{8CFF8A22-C033-47DF-8707-CA76F142CBBA}"/>
+          </ac:spMkLst>
+        </pc:spChg>
+        <pc:grpChg chg="mod">
+          <ac:chgData name="Xin Luo" userId="82312ee5779919a4" providerId="LiveId" clId="{A508F461-0D73-864F-B88A-277BCD613B0A}" dt="2023-09-11T01:23:15.792" v="0" actId="1037"/>
+          <ac:grpSpMkLst>
+            <pc:docMk/>
+            <pc:sldMk cId="2927474256" sldId="2754"/>
+            <ac:grpSpMk id="20" creationId="{8AA7B3E2-1D42-96C9-43F0-1F320D3EFD63}"/>
+          </ac:grpSpMkLst>
+        </pc:grpChg>
+        <pc:picChg chg="mod">
+          <ac:chgData name="Xin Luo" userId="82312ee5779919a4" providerId="LiveId" clId="{A508F461-0D73-864F-B88A-277BCD613B0A}" dt="2023-09-11T01:23:18.846" v="10" actId="1038"/>
+          <ac:picMkLst>
+            <pc:docMk/>
+            <pc:sldMk cId="2927474256" sldId="2754"/>
+            <ac:picMk id="9" creationId="{0CF46726-2B51-43A4-FDEF-A6131C46F05F}"/>
           </ac:picMkLst>
         </pc:picChg>
       </pc:sldChg>
@@ -7078,7 +7078,7 @@
               </a14:hiddenFill>
             </a:ext>
             <a:ext uri="{FAA26D3D-D897-4be2-8F04-BA451C77F1D7}">
-              <ma14:placeholderFlag xmlns:ma14="http://schemas.microsoft.com/office/mac/drawingml/2011/main" xmlns="" val="1"/>
+              <ma14:placeholderFlag xmlns="" xmlns:ma14="http://schemas.microsoft.com/office/mac/drawingml/2011/main" val="1"/>
             </a:ext>
           </a:extLst>
         </p:spPr>
@@ -7462,7 +7462,7 @@
               </a14:hiddenLine>
             </a:ext>
             <a:ext uri="{FAA26D3D-D897-4be2-8F04-BA451C77F1D7}">
-              <ma14:placeholderFlag xmlns:ma14="http://schemas.microsoft.com/office/mac/drawingml/2011/main" xmlns="" val="1"/>
+              <ma14:placeholderFlag xmlns="" xmlns:ma14="http://schemas.microsoft.com/office/mac/drawingml/2011/main" val="1"/>
             </a:ext>
           </a:extLst>
         </p:spPr>
@@ -7617,10 +7617,7 @@
           <a:bodyPr/>
           <a:lstStyle/>
           <a:p>
-            <a:r>
-              <a:rPr lang="zh-CN" altLang="en-US" dirty="0"/>
-              <a:t>结构化数据可简单理解为表格数据。</a:t>
-            </a:r>
+            <a:endParaRPr lang="zh-CN" altLang="en-US" dirty="0"/>
           </a:p>
         </p:txBody>
       </p:sp>
@@ -10099,7 +10096,7 @@
               </a14:hiddenLine>
             </a:ext>
             <a:ext uri="{FAA26D3D-D897-4be2-8F04-BA451C77F1D7}">
-              <ma14:placeholderFlag xmlns:ma14="http://schemas.microsoft.com/office/mac/drawingml/2011/main" xmlns="" val="1"/>
+              <ma14:placeholderFlag xmlns="" xmlns:ma14="http://schemas.microsoft.com/office/mac/drawingml/2011/main" val="1"/>
             </a:ext>
           </a:extLst>
         </p:spPr>
@@ -13790,7 +13787,7 @@
               </a14:hiddenLine>
             </a:ext>
             <a:ext uri="{FAA26D3D-D897-4be2-8F04-BA451C77F1D7}">
-              <ma14:placeholderFlag xmlns:ma14="http://schemas.microsoft.com/office/mac/drawingml/2011/main" xmlns="" val="1"/>
+              <ma14:placeholderFlag xmlns="" xmlns:ma14="http://schemas.microsoft.com/office/mac/drawingml/2011/main" val="1"/>
             </a:ext>
           </a:extLst>
         </p:spPr>
@@ -16200,7 +16197,7 @@
                 <a:latin typeface="+mn-ea"/>
                 <a:ea typeface="+mn-ea"/>
               </a:rPr>
-              <a:t>pandas</a:t>
+              <a:t>Pandas</a:t>
             </a:r>
           </a:p>
         </p:txBody>
@@ -16872,7 +16869,7 @@
         <p:spPr>
           <a:xfrm>
             <a:off x="317664" y="1543372"/>
-            <a:ext cx="8508670" cy="3428439"/>
+            <a:ext cx="8508670" cy="4357540"/>
           </a:xfrm>
           <a:prstGeom prst="rect">
             <a:avLst/>
@@ -16887,7 +16884,7 @@
           <a:p>
             <a:pPr algn="l">
               <a:lnSpc>
-                <a:spcPct val="150000"/>
+                <a:spcPct val="200000"/>
               </a:lnSpc>
             </a:pPr>
             <a:r>
@@ -17001,7 +16998,7 @@
           <a:p>
             <a:pPr algn="l">
               <a:lnSpc>
-                <a:spcPct val="150000"/>
+                <a:spcPct val="200000"/>
               </a:lnSpc>
             </a:pPr>
             <a:r>
@@ -17025,7 +17022,7 @@
           <a:p>
             <a:pPr algn="l">
               <a:lnSpc>
-                <a:spcPct val="150000"/>
+                <a:spcPct val="200000"/>
               </a:lnSpc>
             </a:pPr>
             <a:r>
@@ -17042,7 +17039,7 @@
           <a:p>
             <a:pPr algn="l">
               <a:lnSpc>
-                <a:spcPct val="150000"/>
+                <a:spcPct val="200000"/>
               </a:lnSpc>
             </a:pPr>
             <a:r>
@@ -17064,6 +17061,47 @@
                 <a:ea typeface="+mn-ea"/>
               </a:rPr>
               <a:t> install matplotlib</a:t>
+            </a:r>
+          </a:p>
+        </p:txBody>
+      </p:sp>
+      <p:sp>
+        <p:nvSpPr>
+          <p:cNvPr id="5" name="文本框 4">
+            <a:extLst>
+              <a:ext uri="{FF2B5EF4-FFF2-40B4-BE49-F238E27FC236}">
+                <a16:creationId xmlns:a16="http://schemas.microsoft.com/office/drawing/2014/main" id="{900A14D2-2A76-F42D-0D6D-9E37407C0BF5}"/>
+              </a:ext>
+            </a:extLst>
+          </p:cNvPr>
+          <p:cNvSpPr txBox="1"/>
+          <p:nvPr/>
+        </p:nvSpPr>
+        <p:spPr>
+          <a:xfrm>
+            <a:off x="894184" y="6287678"/>
+            <a:ext cx="7590453" cy="369332"/>
+          </a:xfrm>
+          <a:prstGeom prst="rect">
+            <a:avLst/>
+          </a:prstGeom>
+          <a:noFill/>
+        </p:spPr>
+        <p:txBody>
+          <a:bodyPr wrap="square">
+            <a:spAutoFit/>
+          </a:bodyPr>
+          <a:lstStyle/>
+          <a:p>
+            <a:r>
+              <a:rPr lang="zh-CN" altLang="en-US" sz="1800" dirty="0">
+                <a:solidFill>
+                  <a:schemeClr val="accent1"/>
+                </a:solidFill>
+                <a:latin typeface="+mn-ea"/>
+                <a:ea typeface="+mn-ea"/>
+              </a:rPr>
+              <a:t>官方文档：https://matplotlib.org/stable/users/index.html</a:t>
             </a:r>
           </a:p>
         </p:txBody>
@@ -17226,7 +17264,7 @@
         <p:spPr>
           <a:xfrm>
             <a:off x="317664" y="1543372"/>
-            <a:ext cx="8508670" cy="4397935"/>
+            <a:ext cx="7706663" cy="4274375"/>
           </a:xfrm>
           <a:prstGeom prst="rect">
             <a:avLst/>
@@ -17245,17 +17283,17 @@
               </a:lnSpc>
             </a:pPr>
             <a:r>
-              <a:rPr lang="zh-CN" altLang="en-US" sz="2100" b="1" dirty="0">
+              <a:rPr lang="zh-CN" altLang="en-US" b="1" dirty="0">
                 <a:solidFill>
                   <a:schemeClr val="bg2"/>
                 </a:solidFill>
                 <a:latin typeface="+mn-ea"/>
                 <a:ea typeface="+mn-ea"/>
               </a:rPr>
-              <a:t>画框</a:t>
-            </a:r>
-            <a:r>
-              <a:rPr lang="en-US" altLang="zh-CN" sz="2100" b="1" dirty="0">
+              <a:t>画布</a:t>
+            </a:r>
+            <a:r>
+              <a:rPr lang="en-US" altLang="zh-CN" b="1" dirty="0">
                 <a:solidFill>
                   <a:schemeClr val="bg2"/>
                 </a:solidFill>
@@ -17265,17 +17303,17 @@
               <a:t>/</a:t>
             </a:r>
             <a:r>
-              <a:rPr lang="zh-CN" altLang="en-US" sz="2100" b="1" dirty="0">
+              <a:rPr lang="zh-CN" altLang="en-US" b="1" dirty="0">
                 <a:solidFill>
                   <a:schemeClr val="bg2"/>
                 </a:solidFill>
                 <a:latin typeface="+mn-ea"/>
                 <a:ea typeface="+mn-ea"/>
               </a:rPr>
-              <a:t>画布：</a:t>
-            </a:r>
-            <a:r>
-              <a:rPr lang="en-US" altLang="zh-CN" sz="2100" b="1" dirty="0" err="1">
+              <a:t>画板：</a:t>
+            </a:r>
+            <a:r>
+              <a:rPr lang="en-US" altLang="zh-CN" b="1" dirty="0" err="1">
                 <a:solidFill>
                   <a:schemeClr val="bg2"/>
                 </a:solidFill>
@@ -17285,7 +17323,7 @@
               <a:t>plt.figure</a:t>
             </a:r>
             <a:r>
-              <a:rPr lang="en-US" altLang="zh-CN" sz="2100" b="1" dirty="0">
+              <a:rPr lang="en-US" altLang="zh-CN" b="1" dirty="0">
                 <a:solidFill>
                   <a:schemeClr val="bg2"/>
                 </a:solidFill>
@@ -17295,7 +17333,7 @@
               <a:t>()</a:t>
             </a:r>
             <a:r>
-              <a:rPr lang="zh-CN" altLang="en-US" sz="2100" b="1" dirty="0">
+              <a:rPr lang="zh-CN" altLang="en-US" b="1" dirty="0">
                 <a:solidFill>
                   <a:schemeClr val="bg2"/>
                 </a:solidFill>
@@ -17305,7 +17343,7 @@
               <a:t>，</a:t>
             </a:r>
             <a:r>
-              <a:rPr lang="en-US" altLang="zh-CN" sz="2100" b="1" dirty="0">
+              <a:rPr lang="en-US" altLang="zh-CN" b="1" dirty="0">
                 <a:solidFill>
                   <a:schemeClr val="bg2"/>
                 </a:solidFill>
@@ -17314,7 +17352,7 @@
               </a:rPr>
               <a:t>.subplots(1,1)</a:t>
             </a:r>
-            <a:endParaRPr lang="en-CN" sz="2100" dirty="0">
+            <a:endParaRPr lang="en-CN" dirty="0">
               <a:solidFill>
                 <a:schemeClr val="bg2"/>
               </a:solidFill>
@@ -17329,7 +17367,7 @@
               </a:lnSpc>
             </a:pPr>
             <a:r>
-              <a:rPr lang="en-CN" sz="2100" dirty="0">
+              <a:rPr lang="en-CN" dirty="0">
                 <a:solidFill>
                   <a:schemeClr val="bg2"/>
                 </a:solidFill>
@@ -17339,7 +17377,7 @@
               <a:t>线性图绘制</a:t>
             </a:r>
             <a:r>
-              <a:rPr lang="zh-CN" altLang="en-US" sz="2100" dirty="0">
+              <a:rPr lang="zh-CN" altLang="en-US" dirty="0">
                 <a:solidFill>
                   <a:schemeClr val="bg2"/>
                 </a:solidFill>
@@ -17349,7 +17387,7 @@
               <a:t>：</a:t>
             </a:r>
             <a:r>
-              <a:rPr lang="en-US" altLang="zh-CN" sz="2100" dirty="0" err="1">
+              <a:rPr lang="en-US" altLang="zh-CN" dirty="0" err="1">
                 <a:solidFill>
                   <a:schemeClr val="bg2"/>
                 </a:solidFill>
@@ -17359,7 +17397,7 @@
               <a:t>plt.plot</a:t>
             </a:r>
             <a:r>
-              <a:rPr lang="en-US" altLang="zh-CN" sz="2100" dirty="0">
+              <a:rPr lang="en-US" altLang="zh-CN" dirty="0">
                 <a:solidFill>
                   <a:schemeClr val="bg2"/>
                 </a:solidFill>
@@ -17368,7 +17406,7 @@
               </a:rPr>
               <a:t>()</a:t>
             </a:r>
-            <a:endParaRPr lang="en-CN" sz="2100" dirty="0">
+            <a:endParaRPr lang="en-CN" dirty="0">
               <a:solidFill>
                 <a:schemeClr val="bg2"/>
               </a:solidFill>
@@ -17383,7 +17421,7 @@
               </a:lnSpc>
             </a:pPr>
             <a:r>
-              <a:rPr lang="en-CN" sz="2100" dirty="0">
+              <a:rPr lang="en-CN" dirty="0">
                 <a:solidFill>
                   <a:schemeClr val="bg2"/>
                 </a:solidFill>
@@ -17393,7 +17431,7 @@
               <a:t>坐标系设置</a:t>
             </a:r>
             <a:r>
-              <a:rPr lang="zh-CN" altLang="en-US" sz="2100" dirty="0">
+              <a:rPr lang="zh-CN" altLang="en-US" dirty="0">
                 <a:solidFill>
                   <a:schemeClr val="bg2"/>
                 </a:solidFill>
@@ -17403,7 +17441,7 @@
               <a:t>：</a:t>
             </a:r>
             <a:r>
-              <a:rPr lang="en-CN" altLang="zh-CN" sz="2100" dirty="0">
+              <a:rPr lang="en-CN" altLang="zh-CN" dirty="0">
                 <a:solidFill>
                   <a:schemeClr val="bg2"/>
                 </a:solidFill>
@@ -17413,7 +17451,7 @@
               <a:t>plt</a:t>
             </a:r>
             <a:r>
-              <a:rPr lang="en-US" altLang="zh-CN" sz="2100" dirty="0">
+              <a:rPr lang="en-US" altLang="zh-CN" dirty="0">
                 <a:solidFill>
                   <a:schemeClr val="bg2"/>
                 </a:solidFill>
@@ -17423,7 +17461,7 @@
               <a:t>.</a:t>
             </a:r>
             <a:r>
-              <a:rPr lang="en-US" altLang="zh-CN" sz="2100" dirty="0" err="1">
+              <a:rPr lang="en-US" altLang="zh-CN" dirty="0" err="1">
                 <a:solidFill>
                   <a:schemeClr val="bg2"/>
                 </a:solidFill>
@@ -17433,7 +17471,7 @@
               <a:t>set_xlabel</a:t>
             </a:r>
             <a:r>
-              <a:rPr lang="en-US" altLang="zh-CN" sz="2100" dirty="0">
+              <a:rPr lang="en-US" altLang="zh-CN" dirty="0">
                 <a:solidFill>
                   <a:schemeClr val="bg2"/>
                 </a:solidFill>
@@ -17443,7 +17481,7 @@
               <a:t>(),</a:t>
             </a:r>
             <a:r>
-              <a:rPr lang="en-CN" altLang="zh-CN" sz="2100" dirty="0">
+              <a:rPr lang="en-CN" altLang="zh-CN" dirty="0">
                 <a:solidFill>
                   <a:schemeClr val="bg2"/>
                 </a:solidFill>
@@ -17453,7 +17491,7 @@
               <a:t> </a:t>
             </a:r>
             <a:r>
-              <a:rPr lang="en-US" altLang="zh-CN" sz="2100" dirty="0" err="1">
+              <a:rPr lang="en-US" altLang="zh-CN" dirty="0" err="1">
                 <a:solidFill>
                   <a:schemeClr val="bg2"/>
                 </a:solidFill>
@@ -17463,7 +17501,7 @@
               <a:t>plt.set_ylabel</a:t>
             </a:r>
             <a:r>
-              <a:rPr lang="en-US" altLang="zh-CN" sz="2100" dirty="0">
+              <a:rPr lang="en-US" altLang="zh-CN" dirty="0">
                 <a:solidFill>
                   <a:schemeClr val="bg2"/>
                 </a:solidFill>
@@ -17472,7 +17510,7 @@
               </a:rPr>
               <a:t>()…</a:t>
             </a:r>
-            <a:endParaRPr lang="en-CN" sz="2100" dirty="0">
+            <a:endParaRPr lang="en-CN" dirty="0">
               <a:solidFill>
                 <a:schemeClr val="bg2"/>
               </a:solidFill>
@@ -17487,7 +17525,7 @@
               </a:lnSpc>
             </a:pPr>
             <a:r>
-              <a:rPr lang="en-US" sz="2100" dirty="0" err="1">
+              <a:rPr lang="en-US" dirty="0" err="1">
                 <a:solidFill>
                   <a:schemeClr val="bg2"/>
                 </a:solidFill>
@@ -17497,7 +17535,7 @@
               <a:t>添加图例</a:t>
             </a:r>
             <a:r>
-              <a:rPr lang="en-US" sz="2100" dirty="0">
+              <a:rPr lang="en-US" dirty="0">
                 <a:solidFill>
                   <a:schemeClr val="bg2"/>
                 </a:solidFill>
@@ -17507,7 +17545,7 @@
               <a:t>: </a:t>
             </a:r>
             <a:r>
-              <a:rPr lang="en-US" sz="2100" dirty="0" err="1">
+              <a:rPr lang="en-US" dirty="0" err="1">
                 <a:solidFill>
                   <a:schemeClr val="bg2"/>
                 </a:solidFill>
@@ -17517,7 +17555,7 @@
               <a:t>plt.legend</a:t>
             </a:r>
             <a:r>
-              <a:rPr lang="en-US" sz="2100" dirty="0">
+              <a:rPr lang="en-US" dirty="0">
                 <a:solidFill>
                   <a:schemeClr val="bg2"/>
                 </a:solidFill>
@@ -17526,7 +17564,7 @@
               </a:rPr>
               <a:t>()</a:t>
             </a:r>
-            <a:endParaRPr lang="en-US" altLang="zh-CN" sz="2100" dirty="0">
+            <a:endParaRPr lang="en-US" altLang="zh-CN" dirty="0">
               <a:solidFill>
                 <a:schemeClr val="bg2"/>
               </a:solidFill>
@@ -17541,7 +17579,7 @@
               </a:lnSpc>
             </a:pPr>
             <a:r>
-              <a:rPr lang="en-US" sz="2100" dirty="0" err="1">
+              <a:rPr lang="en-US" dirty="0" err="1">
                 <a:solidFill>
                   <a:schemeClr val="bg2"/>
                 </a:solidFill>
@@ -17551,7 +17589,7 @@
               <a:t>柱状图</a:t>
             </a:r>
             <a:r>
-              <a:rPr lang="zh-CN" altLang="en-US" sz="2100" dirty="0">
+              <a:rPr lang="zh-CN" altLang="en-US" dirty="0">
                 <a:solidFill>
                   <a:schemeClr val="bg2"/>
                 </a:solidFill>
@@ -17561,7 +17599,7 @@
               <a:t>：</a:t>
             </a:r>
             <a:r>
-              <a:rPr lang="en-US" altLang="zh-CN" sz="2100" dirty="0" err="1">
+              <a:rPr lang="en-US" altLang="zh-CN" dirty="0" err="1">
                 <a:solidFill>
                   <a:schemeClr val="bg2"/>
                 </a:solidFill>
@@ -17571,7 +17609,7 @@
               <a:t>plt.bar</a:t>
             </a:r>
             <a:r>
-              <a:rPr lang="en-US" altLang="zh-CN" sz="2100" dirty="0">
+              <a:rPr lang="en-US" altLang="zh-CN" dirty="0">
                 <a:solidFill>
                   <a:schemeClr val="bg2"/>
                 </a:solidFill>
@@ -17580,7 +17618,7 @@
               </a:rPr>
               <a:t>()</a:t>
             </a:r>
-            <a:endParaRPr lang="en-US" sz="2100" dirty="0">
+            <a:endParaRPr lang="en-US" dirty="0">
               <a:solidFill>
                 <a:schemeClr val="bg2"/>
               </a:solidFill>
@@ -17595,7 +17633,7 @@
               </a:lnSpc>
             </a:pPr>
             <a:r>
-              <a:rPr lang="en-US" sz="2100" dirty="0" err="1">
+              <a:rPr lang="en-US" dirty="0" err="1">
                 <a:solidFill>
                   <a:schemeClr val="bg2"/>
                 </a:solidFill>
@@ -17605,7 +17643,7 @@
               <a:t>图像显示</a:t>
             </a:r>
             <a:r>
-              <a:rPr lang="zh-CN" altLang="en-US" sz="2100" dirty="0">
+              <a:rPr lang="zh-CN" altLang="en-US" dirty="0">
                 <a:solidFill>
                   <a:schemeClr val="bg2"/>
                 </a:solidFill>
@@ -17615,7 +17653,7 @@
               <a:t>：</a:t>
             </a:r>
             <a:r>
-              <a:rPr lang="en-US" altLang="zh-CN" sz="2100" dirty="0" err="1">
+              <a:rPr lang="en-US" altLang="zh-CN" dirty="0" err="1">
                 <a:solidFill>
                   <a:schemeClr val="bg2"/>
                 </a:solidFill>
@@ -17625,7 +17663,7 @@
               <a:t>plt.imshow</a:t>
             </a:r>
             <a:r>
-              <a:rPr lang="en-US" altLang="zh-CN" sz="2100" dirty="0">
+              <a:rPr lang="en-US" altLang="zh-CN" dirty="0">
                 <a:solidFill>
                   <a:schemeClr val="bg2"/>
                 </a:solidFill>
@@ -17634,21 +17672,7 @@
               </a:rPr>
               <a:t>()</a:t>
             </a:r>
-            <a:endParaRPr lang="en-US" sz="2100" dirty="0">
-              <a:solidFill>
-                <a:schemeClr val="bg2"/>
-              </a:solidFill>
-              <a:latin typeface="+mn-ea"/>
-              <a:ea typeface="+mn-ea"/>
-            </a:endParaRPr>
-          </a:p>
-          <a:p>
-            <a:pPr algn="l">
-              <a:lnSpc>
-                <a:spcPct val="150000"/>
-              </a:lnSpc>
-            </a:pPr>
-            <a:endParaRPr lang="en-US" sz="2100" dirty="0">
+            <a:endParaRPr lang="en-US" dirty="0">
               <a:solidFill>
                 <a:schemeClr val="bg2"/>
               </a:solidFill>
@@ -17817,7 +17841,7 @@
         <p:spPr>
           <a:xfrm>
             <a:off x="414554" y="1783013"/>
-            <a:ext cx="7967446" cy="2360070"/>
+            <a:ext cx="7967446" cy="3206455"/>
           </a:xfrm>
           <a:prstGeom prst="rect">
             <a:avLst/>
@@ -17865,6 +17889,81 @@
                 <a:ea typeface="+mn-ea"/>
               </a:rPr>
               <a:t>常用内置函数</a:t>
+            </a:r>
+            <a:endParaRPr lang="en-US" altLang="zh-CN" sz="2200" dirty="0">
+              <a:solidFill>
+                <a:srgbClr val="333333"/>
+              </a:solidFill>
+              <a:latin typeface="+mn-ea"/>
+              <a:ea typeface="+mn-ea"/>
+            </a:endParaRPr>
+          </a:p>
+          <a:p>
+            <a:pPr marL="457200" indent="-457200" algn="just">
+              <a:lnSpc>
+                <a:spcPct val="200000"/>
+              </a:lnSpc>
+              <a:buAutoNum type="arabicPeriod"/>
+            </a:pPr>
+            <a:r>
+              <a:rPr lang="en-US" altLang="zh-CN" sz="2200" dirty="0" err="1">
+                <a:solidFill>
+                  <a:srgbClr val="333333"/>
+                </a:solidFill>
+                <a:latin typeface="+mn-ea"/>
+                <a:ea typeface="+mn-ea"/>
+              </a:rPr>
+              <a:t>Numpy</a:t>
+            </a:r>
+            <a:r>
+              <a:rPr lang="zh-CN" altLang="en-US" sz="2200" dirty="0">
+                <a:solidFill>
+                  <a:srgbClr val="333333"/>
+                </a:solidFill>
+                <a:latin typeface="+mn-ea"/>
+                <a:ea typeface="+mn-ea"/>
+              </a:rPr>
+              <a:t>，</a:t>
+            </a:r>
+            <a:r>
+              <a:rPr lang="en-US" altLang="zh-CN" sz="2200" dirty="0">
+                <a:solidFill>
+                  <a:srgbClr val="333333"/>
+                </a:solidFill>
+                <a:latin typeface="+mn-ea"/>
+                <a:ea typeface="+mn-ea"/>
+              </a:rPr>
+              <a:t>pandas</a:t>
+            </a:r>
+            <a:r>
+              <a:rPr lang="zh-CN" altLang="en-US" sz="2200" dirty="0">
+                <a:solidFill>
+                  <a:srgbClr val="333333"/>
+                </a:solidFill>
+                <a:latin typeface="+mn-ea"/>
+                <a:ea typeface="+mn-ea"/>
+              </a:rPr>
+              <a:t>，</a:t>
+            </a:r>
+            <a:r>
+              <a:rPr lang="en-US" altLang="zh-CN" sz="2200" dirty="0">
+                <a:solidFill>
+                  <a:srgbClr val="333333"/>
+                </a:solidFill>
+                <a:latin typeface="+mn-ea"/>
+                <a:ea typeface="+mn-ea"/>
+              </a:rPr>
+              <a:t>matplotlib</a:t>
+            </a:r>
+            <a:r>
+              <a:rPr lang="zh-CN" altLang="en-US" sz="2200" dirty="0">
+                <a:solidFill>
+                  <a:srgbClr val="333333"/>
+                </a:solidFill>
+                <a:latin typeface="+mn-ea"/>
+                <a:ea typeface="+mn-ea"/>
+              </a:rPr>
+              <a:t>库的使用</a:t>
             </a:r>
             <a:endParaRPr lang="en-US" altLang="zh-CN" sz="2200" dirty="0">
               <a:solidFill>
@@ -17947,7 +18046,7 @@
         </p:nvSpPr>
         <p:spPr>
           <a:xfrm>
-            <a:off x="0" y="283461"/>
+            <a:off x="0" y="0"/>
             <a:ext cx="1835696" cy="6858000"/>
           </a:xfrm>
           <a:prstGeom prst="rect">
@@ -18110,7 +18209,7 @@
                   <a:latin typeface="Arial"/>
                   <a:ea typeface="微软雅黑"/>
                 </a:rPr>
-                <a:t>python</a:t>
+                <a:t>Python</a:t>
               </a:r>
               <a:r>
                 <a:rPr lang="zh-CN" altLang="en-US" sz="3200" b="1" dirty="0">
@@ -18327,7 +18426,7 @@
                   <a:latin typeface="Arial"/>
                   <a:ea typeface="微软雅黑"/>
                 </a:rPr>
-                <a:t>python</a:t>
+                <a:t>Python</a:t>
               </a:r>
               <a:r>
                 <a:rPr lang="zh-CN" altLang="en-US" sz="3200" b="1" dirty="0">
@@ -18458,7 +18557,7 @@
                 <a:latin typeface="微软雅黑" pitchFamily="34" charset="-122"/>
                 <a:ea typeface="微软雅黑" pitchFamily="34" charset="-122"/>
               </a:rPr>
-              <a:t>python</a:t>
+              <a:t>Python</a:t>
             </a:r>
             <a:r>
               <a:rPr lang="zh-CN" altLang="en-US" sz="4000" b="1" dirty="0">
@@ -18599,8 +18698,8 @@
         </p:nvSpPr>
         <p:spPr>
           <a:xfrm>
-            <a:off x="239287" y="1138859"/>
-            <a:ext cx="8094816" cy="3624838"/>
+            <a:off x="264687" y="967409"/>
+            <a:ext cx="8094816" cy="4702121"/>
           </a:xfrm>
           <a:prstGeom prst="rect">
             <a:avLst/>
@@ -18742,6 +18841,13 @@
               </a:rPr>
               <a:t>sorted()…</a:t>
             </a:r>
+          </a:p>
+          <a:p>
+            <a:pPr algn="just">
+              <a:lnSpc>
+                <a:spcPct val="200000"/>
+              </a:lnSpc>
+            </a:pPr>
             <a:endParaRPr lang="en-US" altLang="zh-CN" sz="2800" dirty="0">
               <a:solidFill>
                 <a:schemeClr val="bg2"/>
@@ -18979,7 +19085,7 @@
                 <a:latin typeface="微软雅黑" pitchFamily="34" charset="-122"/>
                 <a:ea typeface="微软雅黑" pitchFamily="34" charset="-122"/>
               </a:rPr>
-              <a:t>python</a:t>
+              <a:t>Python</a:t>
             </a:r>
             <a:r>
               <a:rPr lang="zh-CN" altLang="en-US" dirty="0">
@@ -19052,7 +19158,7 @@
                 <a:latin typeface="+mn-ea"/>
                 <a:ea typeface="+mn-ea"/>
               </a:rPr>
-              <a:t>python</a:t>
+              <a:t>Python</a:t>
             </a:r>
             <a:r>
               <a:rPr lang="zh-CN" altLang="en-US" sz="2800" b="1" dirty="0">
@@ -19385,7 +19491,7 @@
                 <a:latin typeface="+mn-ea"/>
                 <a:ea typeface="+mn-ea"/>
               </a:rPr>
-              <a:t>numpy</a:t>
+              <a:t>Numpy</a:t>
             </a:r>
             <a:endParaRPr lang="en-US" altLang="zh-CN" sz="2800" b="1" dirty="0">
               <a:solidFill>
@@ -19411,8 +19517,8 @@
         </p:nvSpPr>
         <p:spPr>
           <a:xfrm>
-            <a:off x="317664" y="1543372"/>
-            <a:ext cx="8094816" cy="4808432"/>
+            <a:off x="317664" y="1562422"/>
+            <a:ext cx="8695707" cy="5223994"/>
           </a:xfrm>
           <a:prstGeom prst="rect">
             <a:avLst/>
@@ -19465,7 +19571,7 @@
               </a:lnSpc>
             </a:pPr>
             <a:r>
-              <a:rPr lang="en-US" sz="2000" dirty="0">
+              <a:rPr lang="en-US" sz="2200" dirty="0">
                 <a:solidFill>
                   <a:schemeClr val="bg2"/>
                 </a:solidFill>
@@ -19475,17 +19581,17 @@
               <a:t>NumPy</a:t>
             </a:r>
             <a:r>
-              <a:rPr lang="zh-CN" altLang="en-US" sz="2000" dirty="0">
+              <a:rPr lang="zh-CN" altLang="en-US" sz="2200" dirty="0">
                 <a:solidFill>
                   <a:schemeClr val="bg2"/>
                 </a:solidFill>
                 <a:latin typeface="+mn-ea"/>
                 <a:ea typeface="+mn-ea"/>
               </a:rPr>
-              <a:t>是一个开源的</a:t>
-            </a:r>
-            <a:r>
-              <a:rPr lang="en-US" sz="2000" dirty="0">
+              <a:t>是一个开源</a:t>
+            </a:r>
+            <a:r>
+              <a:rPr lang="en-US" sz="2200" dirty="0">
                 <a:solidFill>
                   <a:schemeClr val="bg2"/>
                 </a:solidFill>
@@ -19495,27 +19601,41 @@
               <a:t>Python</a:t>
             </a:r>
             <a:r>
-              <a:rPr lang="zh-CN" altLang="en-US" sz="2000" dirty="0">
+              <a:rPr lang="zh-CN" altLang="en-US" sz="2200" dirty="0">
                 <a:solidFill>
                   <a:schemeClr val="bg2"/>
                 </a:solidFill>
                 <a:latin typeface="+mn-ea"/>
                 <a:ea typeface="+mn-ea"/>
               </a:rPr>
-              <a:t>库，广泛应用在数据分析和科学计算领域，</a:t>
-            </a:r>
-            <a:r>
-              <a:rPr lang="en-US" sz="2000" dirty="0" err="1">
+              <a:t>库，广泛应用在数据分析和科学计算领域。</a:t>
+            </a:r>
+            <a:endParaRPr lang="en-US" altLang="zh-CN" sz="2200" dirty="0">
+              <a:solidFill>
+                <a:schemeClr val="bg2"/>
+              </a:solidFill>
+              <a:latin typeface="+mn-ea"/>
+              <a:ea typeface="+mn-ea"/>
+            </a:endParaRPr>
+          </a:p>
+          <a:p>
+            <a:pPr algn="l">
+              <a:lnSpc>
+                <a:spcPct val="150000"/>
+              </a:lnSpc>
+            </a:pPr>
+            <a:r>
+              <a:rPr lang="en-US" sz="2200" dirty="0" err="1">
                 <a:solidFill>
                   <a:schemeClr val="bg2"/>
                 </a:solidFill>
                 <a:latin typeface="+mn-ea"/>
                 <a:ea typeface="+mn-ea"/>
               </a:rPr>
-              <a:t>NumPy也可以</a:t>
-            </a:r>
-            <a:r>
-              <a:rPr lang="zh-CN" altLang="en-US" sz="2000" dirty="0">
+              <a:t>NumPy可</a:t>
+            </a:r>
+            <a:r>
+              <a:rPr lang="zh-CN" altLang="en-US" sz="2200" dirty="0">
                 <a:solidFill>
                   <a:schemeClr val="bg2"/>
                 </a:solidFill>
@@ -19525,7 +19645,7 @@
               <a:t>看作是</a:t>
             </a:r>
             <a:r>
-              <a:rPr lang="en-US" sz="2000" dirty="0">
+              <a:rPr lang="en-US" sz="2200" dirty="0">
                 <a:solidFill>
                   <a:schemeClr val="bg2"/>
                 </a:solidFill>
@@ -19535,17 +19655,17 @@
               <a:t>Python</a:t>
             </a:r>
             <a:r>
-              <a:rPr lang="zh-CN" altLang="en-US" sz="2000" dirty="0">
+              <a:rPr lang="zh-CN" altLang="en-US" sz="2200" dirty="0">
                 <a:solidFill>
                   <a:schemeClr val="bg2"/>
                 </a:solidFill>
                 <a:latin typeface="+mn-ea"/>
                 <a:ea typeface="+mn-ea"/>
               </a:rPr>
-              <a:t>数据计算的基础，因为很多优秀的数据分析和机器学习框架底层都是基于</a:t>
-            </a:r>
-            <a:r>
-              <a:rPr lang="en-US" sz="2000" dirty="0" err="1">
+              <a:t>数据计算的基础，很多常用数据分析和机器学习库都是基于</a:t>
+            </a:r>
+            <a:r>
+              <a:rPr lang="en-US" sz="2200" dirty="0" err="1">
                 <a:solidFill>
                   <a:schemeClr val="bg2"/>
                 </a:solidFill>
@@ -19555,7 +19675,7 @@
               <a:t>NumPy开发的</a:t>
             </a:r>
             <a:r>
-              <a:rPr lang="en-US" sz="2000" dirty="0">
+              <a:rPr lang="en-US" sz="2200" dirty="0">
                 <a:solidFill>
                   <a:schemeClr val="bg2"/>
                 </a:solidFill>
@@ -19565,7 +19685,7 @@
               <a:t>。</a:t>
             </a:r>
             <a:r>
-              <a:rPr lang="zh-CN" altLang="en-US" sz="2000" dirty="0">
+              <a:rPr lang="zh-CN" altLang="en-US" sz="2200" dirty="0">
                 <a:solidFill>
                   <a:schemeClr val="bg2"/>
                 </a:solidFill>
@@ -19575,17 +19695,17 @@
               <a:t>比如：</a:t>
             </a:r>
             <a:r>
-              <a:rPr lang="en-US" sz="2000" dirty="0">
+              <a:rPr lang="en-US" sz="2200" dirty="0">
                 <a:solidFill>
                   <a:schemeClr val="bg2"/>
                 </a:solidFill>
                 <a:latin typeface="+mn-ea"/>
                 <a:ea typeface="+mn-ea"/>
               </a:rPr>
-              <a:t>Pandas, SciPy, Matplotlib, scikit-learn, scikit-image </a:t>
-            </a:r>
-            <a:r>
-              <a:rPr lang="zh-CN" altLang="en-US" sz="2000" dirty="0">
+              <a:t>Pandas, SciPy, Matplotlib, scikit-learn</a:t>
+            </a:r>
+            <a:r>
+              <a:rPr lang="zh-CN" altLang="en-US" sz="2200" dirty="0">
                 <a:solidFill>
                   <a:schemeClr val="bg2"/>
                 </a:solidFill>
@@ -19595,7 +19715,7 @@
               <a:t>等。</a:t>
             </a:r>
             <a:r>
-              <a:rPr lang="en-US" altLang="zh-CN" sz="2000" dirty="0">
+              <a:rPr lang="en-US" altLang="zh-CN" sz="2200" dirty="0">
                 <a:solidFill>
                   <a:schemeClr val="bg2"/>
                 </a:solidFill>
@@ -19605,7 +19725,7 @@
               <a:t>NumPy</a:t>
             </a:r>
             <a:r>
-              <a:rPr lang="zh-CN" altLang="en-US" sz="2000" dirty="0">
+              <a:rPr lang="zh-CN" altLang="en-US" sz="2200" dirty="0">
                 <a:solidFill>
                   <a:schemeClr val="bg2"/>
                 </a:solidFill>
@@ -19615,7 +19735,7 @@
               <a:t>的许多底层函数是有</a:t>
             </a:r>
             <a:r>
-              <a:rPr lang="en-US" altLang="zh-CN" sz="2000" dirty="0">
+              <a:rPr lang="en-US" altLang="zh-CN" sz="2200" dirty="0">
                 <a:solidFill>
                   <a:schemeClr val="bg2"/>
                 </a:solidFill>
@@ -19625,7 +19745,7 @@
               <a:t>C</a:t>
             </a:r>
             <a:r>
-              <a:rPr lang="zh-CN" altLang="en-US" sz="2000" dirty="0">
+              <a:rPr lang="zh-CN" altLang="en-US" sz="2200" dirty="0">
                 <a:solidFill>
                   <a:schemeClr val="bg2"/>
                 </a:solidFill>
@@ -19635,7 +19755,7 @@
               <a:t>语言编写的，因此</a:t>
             </a:r>
             <a:r>
-              <a:rPr lang="en-US" altLang="zh-CN" sz="2000" dirty="0">
+              <a:rPr lang="en-US" altLang="zh-CN" sz="2200" dirty="0">
                 <a:solidFill>
                   <a:schemeClr val="bg2"/>
                 </a:solidFill>
@@ -19645,7 +19765,7 @@
               <a:t>NumPy</a:t>
             </a:r>
             <a:r>
-              <a:rPr lang="zh-CN" altLang="en-US" sz="2000" dirty="0">
+              <a:rPr lang="zh-CN" altLang="en-US" sz="2200" dirty="0">
                 <a:solidFill>
                   <a:schemeClr val="bg2"/>
                 </a:solidFill>
@@ -19654,7 +19774,7 @@
               </a:rPr>
               <a:t>具有较高的运算效果。</a:t>
             </a:r>
-            <a:endParaRPr lang="en-US" altLang="zh-CN" sz="2000" dirty="0">
+            <a:endParaRPr lang="en-US" altLang="zh-CN" sz="2200" dirty="0">
               <a:solidFill>
                 <a:schemeClr val="bg2"/>
               </a:solidFill>
@@ -19712,13 +19832,16 @@
               </a:rPr>
               <a:t>numpy</a:t>
             </a:r>
-            <a:endParaRPr lang="en-US" altLang="zh-CN" sz="2000" dirty="0">
-              <a:solidFill>
-                <a:schemeClr val="bg2"/>
-              </a:solidFill>
-              <a:latin typeface="+mn-ea"/>
-              <a:ea typeface="+mn-ea"/>
-            </a:endParaRPr>
+            <a:r>
+              <a:rPr lang="en-US" altLang="zh-CN" sz="2000" dirty="0">
+                <a:solidFill>
+                  <a:schemeClr val="bg2"/>
+                </a:solidFill>
+                <a:latin typeface="+mn-ea"/>
+                <a:ea typeface="+mn-ea"/>
+              </a:rPr>
+              <a:t> </a:t>
+            </a:r>
           </a:p>
           <a:p>
             <a:pPr algn="l">
@@ -19857,7 +19980,7 @@
         </p:nvSpPr>
         <p:spPr>
           <a:xfrm>
-            <a:off x="317665" y="846748"/>
+            <a:off x="317665" y="726098"/>
             <a:ext cx="8508670" cy="662489"/>
           </a:xfrm>
           <a:prstGeom prst="rect">
@@ -19904,7 +20027,7 @@
                 <a:latin typeface="+mn-ea"/>
                 <a:ea typeface="+mn-ea"/>
               </a:rPr>
-              <a:t>numpy</a:t>
+              <a:t>Numpy</a:t>
             </a:r>
             <a:endParaRPr lang="en-US" altLang="zh-CN" sz="2800" b="1" dirty="0">
               <a:solidFill>
@@ -19930,8 +20053,8 @@
         </p:nvSpPr>
         <p:spPr>
           <a:xfrm>
-            <a:off x="317664" y="1543372"/>
-            <a:ext cx="8508670" cy="4236353"/>
+            <a:off x="228764" y="1575122"/>
+            <a:ext cx="8870786" cy="4433714"/>
           </a:xfrm>
           <a:prstGeom prst="rect">
             <a:avLst/>
@@ -19950,7 +20073,7 @@
               </a:lnSpc>
             </a:pPr>
             <a:r>
-              <a:rPr lang="en-US" altLang="zh-CN" sz="2100" dirty="0" err="1">
+              <a:rPr lang="en-US" altLang="zh-CN" sz="2200" dirty="0" err="1">
                 <a:solidFill>
                   <a:schemeClr val="bg2"/>
                 </a:solidFill>
@@ -19960,7 +20083,7 @@
               <a:t>Numpy</a:t>
             </a:r>
             <a:r>
-              <a:rPr lang="zh-CN" altLang="en-US" sz="2100" dirty="0">
+              <a:rPr lang="zh-CN" altLang="en-US" sz="2200" dirty="0">
                 <a:solidFill>
                   <a:schemeClr val="bg2"/>
                 </a:solidFill>
@@ -19970,7 +20093,7 @@
               <a:t>对象属性：维数（</a:t>
             </a:r>
             <a:r>
-              <a:rPr lang="en-US" altLang="zh-CN" sz="2100" dirty="0" err="1">
+              <a:rPr lang="en-US" altLang="zh-CN" sz="2200" dirty="0" err="1">
                 <a:solidFill>
                   <a:schemeClr val="bg2"/>
                 </a:solidFill>
@@ -19980,7 +20103,7 @@
               <a:t>ndim</a:t>
             </a:r>
             <a:r>
-              <a:rPr lang="zh-CN" altLang="en-US" sz="2100" dirty="0">
+              <a:rPr lang="zh-CN" altLang="en-US" sz="2200" dirty="0">
                 <a:solidFill>
                   <a:schemeClr val="bg2"/>
                 </a:solidFill>
@@ -19990,7 +20113,7 @@
               <a:t>）、形状（</a:t>
             </a:r>
             <a:r>
-              <a:rPr lang="en-US" altLang="zh-CN" sz="2100" dirty="0">
+              <a:rPr lang="en-US" altLang="zh-CN" sz="2200" dirty="0">
                 <a:solidFill>
                   <a:schemeClr val="bg2"/>
                 </a:solidFill>
@@ -20000,7 +20123,7 @@
               <a:t>shape</a:t>
             </a:r>
             <a:r>
-              <a:rPr lang="zh-CN" altLang="en-US" sz="2100" dirty="0">
+              <a:rPr lang="zh-CN" altLang="en-US" sz="2200" dirty="0">
                 <a:solidFill>
                   <a:schemeClr val="bg2"/>
                 </a:solidFill>
@@ -20010,7 +20133,7 @@
               <a:t>），元素个数（</a:t>
             </a:r>
             <a:r>
-              <a:rPr lang="en-US" altLang="zh-CN" sz="2100" dirty="0">
+              <a:rPr lang="en-US" altLang="zh-CN" sz="2200" dirty="0">
                 <a:solidFill>
                   <a:schemeClr val="bg2"/>
                 </a:solidFill>
@@ -20020,7 +20143,7 @@
               <a:t>size</a:t>
             </a:r>
             <a:r>
-              <a:rPr lang="zh-CN" altLang="en-US" sz="2100" dirty="0">
+              <a:rPr lang="zh-CN" altLang="en-US" sz="2200" dirty="0">
                 <a:solidFill>
                   <a:schemeClr val="bg2"/>
                 </a:solidFill>
@@ -20029,7 +20152,7 @@
               </a:rPr>
               <a:t>）</a:t>
             </a:r>
-            <a:endParaRPr lang="en-US" altLang="zh-CN" sz="2100" dirty="0">
+            <a:endParaRPr lang="en-US" altLang="zh-CN" sz="2200" dirty="0">
               <a:solidFill>
                 <a:schemeClr val="bg2"/>
               </a:solidFill>
@@ -20044,7 +20167,7 @@
               </a:lnSpc>
             </a:pPr>
             <a:r>
-              <a:rPr lang="zh-CN" altLang="en-US" sz="2100" dirty="0">
+              <a:rPr lang="zh-CN" altLang="en-US" sz="2200" dirty="0">
                 <a:solidFill>
                   <a:schemeClr val="bg2"/>
                 </a:solidFill>
@@ -20054,7 +20177,7 @@
               <a:t>创建数组：</a:t>
             </a:r>
             <a:r>
-              <a:rPr lang="en-CN" altLang="zh-CN" sz="2100" dirty="0">
+              <a:rPr lang="en-CN" altLang="zh-CN" sz="2200" dirty="0">
                 <a:solidFill>
                   <a:schemeClr val="bg2"/>
                 </a:solidFill>
@@ -20064,7 +20187,7 @@
               <a:t>np.array()</a:t>
             </a:r>
             <a:r>
-              <a:rPr lang="zh-CN" altLang="en-US" sz="2100" dirty="0">
+              <a:rPr lang="zh-CN" altLang="en-US" sz="2200" dirty="0">
                 <a:solidFill>
                   <a:schemeClr val="bg2"/>
                 </a:solidFill>
@@ -20074,7 +20197,7 @@
               <a:t>，</a:t>
             </a:r>
             <a:r>
-              <a:rPr lang="en-CN" altLang="zh-CN" sz="2100" dirty="0">
+              <a:rPr lang="en-CN" altLang="zh-CN" sz="2200" dirty="0">
                 <a:solidFill>
                   <a:schemeClr val="bg2"/>
                 </a:solidFill>
@@ -20084,7 +20207,7 @@
               <a:t>np</a:t>
             </a:r>
             <a:r>
-              <a:rPr lang="en-US" altLang="zh-CN" sz="2100" dirty="0">
+              <a:rPr lang="en-US" altLang="zh-CN" sz="2200" dirty="0">
                 <a:solidFill>
                   <a:schemeClr val="bg2"/>
                 </a:solidFill>
@@ -20094,7 +20217,7 @@
               <a:t>.zeros(), </a:t>
             </a:r>
             <a:r>
-              <a:rPr lang="en-US" altLang="zh-CN" sz="2100" dirty="0" err="1">
+              <a:rPr lang="en-US" altLang="zh-CN" sz="2200" dirty="0" err="1">
                 <a:solidFill>
                   <a:schemeClr val="bg2"/>
                 </a:solidFill>
@@ -20104,7 +20227,7 @@
               <a:t>np.ones</a:t>
             </a:r>
             <a:r>
-              <a:rPr lang="en-US" altLang="zh-CN" sz="2100" dirty="0">
+              <a:rPr lang="en-US" altLang="zh-CN" sz="2200" dirty="0">
                 <a:solidFill>
                   <a:schemeClr val="bg2"/>
                 </a:solidFill>
@@ -20121,7 +20244,7 @@
               </a:lnSpc>
             </a:pPr>
             <a:r>
-              <a:rPr lang="zh-CN" altLang="en-US" sz="2100" dirty="0">
+              <a:rPr lang="zh-CN" altLang="en-US" sz="2200" dirty="0">
                 <a:solidFill>
                   <a:schemeClr val="bg2"/>
                 </a:solidFill>
@@ -20131,7 +20254,7 @@
               <a:t>矩阵运算：*</a:t>
             </a:r>
             <a:r>
-              <a:rPr lang="en-US" altLang="zh-CN" sz="2100" dirty="0">
+              <a:rPr lang="en-US" altLang="zh-CN" sz="2200" dirty="0">
                 <a:solidFill>
                   <a:schemeClr val="bg2"/>
                 </a:solidFill>
@@ -20141,7 +20264,7 @@
               <a:t>(</a:t>
             </a:r>
             <a:r>
-              <a:rPr lang="zh-CN" altLang="en-US" sz="2100" dirty="0">
+              <a:rPr lang="zh-CN" altLang="en-US" sz="2200" dirty="0">
                 <a:solidFill>
                   <a:schemeClr val="bg2"/>
                 </a:solidFill>
@@ -20151,7 +20274,7 @@
               <a:t>对应元素相乘</a:t>
             </a:r>
             <a:r>
-              <a:rPr lang="en-US" altLang="zh-CN" sz="2100" dirty="0">
+              <a:rPr lang="en-US" altLang="zh-CN" sz="2200" dirty="0">
                 <a:solidFill>
                   <a:schemeClr val="bg2"/>
                 </a:solidFill>
@@ -20161,7 +20284,7 @@
               <a:t>)</a:t>
             </a:r>
             <a:r>
-              <a:rPr lang="zh-CN" altLang="en-US" sz="2100" dirty="0">
+              <a:rPr lang="zh-CN" altLang="en-US" sz="2200" dirty="0">
                 <a:solidFill>
                   <a:schemeClr val="bg2"/>
                 </a:solidFill>
@@ -20171,7 +20294,7 @@
               <a:t>， </a:t>
             </a:r>
             <a:r>
-              <a:rPr lang="en-CN" altLang="zh-CN" sz="2100" dirty="0">
+              <a:rPr lang="en-CN" altLang="zh-CN" sz="2200" dirty="0">
                 <a:solidFill>
                   <a:schemeClr val="bg2"/>
                 </a:solidFill>
@@ -20181,7 +20304,7 @@
               <a:t>np</a:t>
             </a:r>
             <a:r>
-              <a:rPr lang="en-US" altLang="zh-CN" sz="2100" dirty="0">
+              <a:rPr lang="en-US" altLang="zh-CN" sz="2200" dirty="0">
                 <a:solidFill>
                   <a:schemeClr val="bg2"/>
                 </a:solidFill>
@@ -20191,7 +20314,7 @@
               <a:t>.dot()</a:t>
             </a:r>
             <a:r>
-              <a:rPr lang="zh-CN" altLang="en-US" sz="2100" dirty="0">
+              <a:rPr lang="zh-CN" altLang="en-US" sz="2200" dirty="0">
                 <a:solidFill>
                   <a:schemeClr val="bg2"/>
                 </a:solidFill>
@@ -20201,7 +20324,7 @@
               <a:t>（矩阵内积）、</a:t>
             </a:r>
             <a:r>
-              <a:rPr lang="en-CN" altLang="zh-CN" sz="2100" dirty="0">
+              <a:rPr lang="en-CN" altLang="zh-CN" sz="2200" dirty="0">
                 <a:solidFill>
                   <a:schemeClr val="bg2"/>
                 </a:solidFill>
@@ -20211,7 +20334,7 @@
               <a:t>np</a:t>
             </a:r>
             <a:r>
-              <a:rPr lang="en-US" altLang="zh-CN" sz="2100" dirty="0">
+              <a:rPr lang="en-US" altLang="zh-CN" sz="2200" dirty="0">
                 <a:solidFill>
                   <a:schemeClr val="bg2"/>
                 </a:solidFill>
@@ -20221,7 +20344,7 @@
               <a:t>.mean()(</a:t>
             </a:r>
             <a:r>
-              <a:rPr lang="zh-CN" altLang="en-US" sz="2100" dirty="0">
+              <a:rPr lang="zh-CN" altLang="en-US" sz="2200" dirty="0">
                 <a:solidFill>
                   <a:schemeClr val="bg2"/>
                 </a:solidFill>
@@ -20231,7 +20354,7 @@
               <a:t>平均值</a:t>
             </a:r>
             <a:r>
-              <a:rPr lang="en-US" altLang="zh-CN" sz="2100" dirty="0">
+              <a:rPr lang="en-US" altLang="zh-CN" sz="2200" dirty="0">
                 <a:solidFill>
                   <a:schemeClr val="bg2"/>
                 </a:solidFill>
@@ -20241,7 +20364,7 @@
               <a:t>)</a:t>
             </a:r>
             <a:r>
-              <a:rPr lang="zh-CN" altLang="en-US" sz="2100" dirty="0">
+              <a:rPr lang="zh-CN" altLang="en-US" sz="2200" dirty="0">
                 <a:solidFill>
                   <a:schemeClr val="bg2"/>
                 </a:solidFill>
@@ -20251,7 +20374,7 @@
               <a:t>，</a:t>
             </a:r>
             <a:r>
-              <a:rPr lang="en-CN" altLang="zh-CN" sz="2100" dirty="0">
+              <a:rPr lang="en-CN" altLang="zh-CN" sz="2200" dirty="0">
                 <a:solidFill>
                   <a:schemeClr val="bg2"/>
                 </a:solidFill>
@@ -20261,7 +20384,7 @@
               <a:t>np.max()(</a:t>
             </a:r>
             <a:r>
-              <a:rPr lang="zh-CN" altLang="en-US" sz="2100" dirty="0">
+              <a:rPr lang="zh-CN" altLang="en-US" sz="2200" dirty="0">
                 <a:solidFill>
                   <a:schemeClr val="bg2"/>
                 </a:solidFill>
@@ -20271,7 +20394,7 @@
               <a:t>最大值</a:t>
             </a:r>
             <a:r>
-              <a:rPr lang="en-CN" altLang="zh-CN" sz="2100" dirty="0">
+              <a:rPr lang="en-CN" altLang="zh-CN" sz="2200" dirty="0">
                 <a:solidFill>
                   <a:schemeClr val="bg2"/>
                 </a:solidFill>
@@ -20281,7 +20404,7 @@
               <a:t>)</a:t>
             </a:r>
             <a:r>
-              <a:rPr lang="zh-CN" altLang="en-CN" sz="2100" dirty="0">
+              <a:rPr lang="zh-CN" altLang="en-CN" sz="2200" dirty="0">
                 <a:solidFill>
                   <a:schemeClr val="bg2"/>
                 </a:solidFill>
@@ -20291,7 +20414,7 @@
               <a:t>等</a:t>
             </a:r>
             <a:r>
-              <a:rPr lang="zh-CN" altLang="en-US" sz="2100" dirty="0">
+              <a:rPr lang="zh-CN" altLang="en-US" sz="2200" dirty="0">
                 <a:solidFill>
                   <a:schemeClr val="bg2"/>
                 </a:solidFill>
@@ -20300,7 +20423,7 @@
               </a:rPr>
               <a:t>。</a:t>
             </a:r>
-            <a:endParaRPr lang="en-US" altLang="zh-CN" sz="2100" dirty="0">
+            <a:endParaRPr lang="en-US" altLang="zh-CN" sz="2200" dirty="0">
               <a:solidFill>
                 <a:schemeClr val="bg2"/>
               </a:solidFill>
@@ -20315,7 +20438,7 @@
               </a:lnSpc>
             </a:pPr>
             <a:r>
-              <a:rPr lang="zh-CN" altLang="en-US" sz="2100" dirty="0">
+              <a:rPr lang="zh-CN" altLang="en-US" sz="2200" dirty="0">
                 <a:solidFill>
                   <a:schemeClr val="bg2"/>
                 </a:solidFill>
@@ -20324,7 +20447,7 @@
               </a:rPr>
               <a:t>索引：元素所在数组位置。</a:t>
             </a:r>
-            <a:endParaRPr lang="en-US" altLang="zh-CN" sz="2100" dirty="0">
+            <a:endParaRPr lang="en-US" altLang="zh-CN" sz="2200" dirty="0">
               <a:solidFill>
                 <a:schemeClr val="bg2"/>
               </a:solidFill>
@@ -20339,7 +20462,7 @@
               </a:lnSpc>
             </a:pPr>
             <a:r>
-              <a:rPr lang="zh-CN" altLang="en-US" sz="2100" dirty="0">
+              <a:rPr lang="zh-CN" altLang="en-US" sz="2200" dirty="0">
                 <a:solidFill>
                   <a:schemeClr val="bg2"/>
                 </a:solidFill>
@@ -20349,7 +20472,7 @@
               <a:t>数组合并：</a:t>
             </a:r>
             <a:r>
-              <a:rPr lang="en-US" altLang="zh-CN" sz="2100" dirty="0" err="1">
+              <a:rPr lang="en-US" altLang="zh-CN" sz="2200" dirty="0" err="1">
                 <a:solidFill>
                   <a:schemeClr val="bg2"/>
                 </a:solidFill>
@@ -20359,7 +20482,7 @@
               <a:t>np.vstack</a:t>
             </a:r>
             <a:r>
-              <a:rPr lang="en-US" altLang="zh-CN" sz="2100" dirty="0">
+              <a:rPr lang="en-US" altLang="zh-CN" sz="2200" dirty="0">
                 <a:solidFill>
                   <a:schemeClr val="bg2"/>
                 </a:solidFill>
@@ -20369,7 +20492,7 @@
               <a:t>(), </a:t>
             </a:r>
             <a:r>
-              <a:rPr lang="en-US" altLang="zh-CN" sz="2100" dirty="0" err="1">
+              <a:rPr lang="en-US" altLang="zh-CN" sz="2200" dirty="0" err="1">
                 <a:solidFill>
                   <a:schemeClr val="bg2"/>
                 </a:solidFill>
@@ -20379,7 +20502,7 @@
               <a:t>np.hstack</a:t>
             </a:r>
             <a:r>
-              <a:rPr lang="en-US" altLang="zh-CN" sz="2100" dirty="0">
+              <a:rPr lang="en-US" altLang="zh-CN" sz="2200" dirty="0">
                 <a:solidFill>
                   <a:schemeClr val="bg2"/>
                 </a:solidFill>
@@ -20389,7 +20512,7 @@
               <a:t>(), </a:t>
             </a:r>
             <a:r>
-              <a:rPr lang="en-US" altLang="zh-CN" sz="2100" dirty="0" err="1">
+              <a:rPr lang="en-US" altLang="zh-CN" sz="2200" dirty="0" err="1">
                 <a:solidFill>
                   <a:schemeClr val="bg2"/>
                 </a:solidFill>
@@ -20399,7 +20522,7 @@
               <a:t>np.newaxis</a:t>
             </a:r>
             <a:r>
-              <a:rPr lang="en-US" altLang="zh-CN" sz="2100" dirty="0">
+              <a:rPr lang="en-US" altLang="zh-CN" sz="2200" dirty="0">
                 <a:solidFill>
                   <a:schemeClr val="bg2"/>
                 </a:solidFill>
@@ -20409,7 +20532,7 @@
               <a:t>(), </a:t>
             </a:r>
             <a:r>
-              <a:rPr lang="en-US" altLang="zh-CN" sz="2100" dirty="0" err="1">
+              <a:rPr lang="en-US" altLang="zh-CN" sz="2200" dirty="0" err="1">
                 <a:solidFill>
                   <a:schemeClr val="bg2"/>
                 </a:solidFill>
@@ -20419,7 +20542,7 @@
               <a:t>np.concatenate</a:t>
             </a:r>
             <a:r>
-              <a:rPr lang="en-US" altLang="zh-CN" sz="2100" dirty="0">
+              <a:rPr lang="en-US" altLang="zh-CN" sz="2200" dirty="0">
                 <a:solidFill>
                   <a:schemeClr val="bg2"/>
                 </a:solidFill>
@@ -20436,7 +20559,7 @@
               </a:lnSpc>
             </a:pPr>
             <a:r>
-              <a:rPr lang="zh-CN" altLang="en-US" sz="2100" dirty="0">
+              <a:rPr lang="zh-CN" altLang="en-US" sz="2200" dirty="0">
                 <a:solidFill>
                   <a:schemeClr val="bg2"/>
                 </a:solidFill>
@@ -20445,7 +20568,7 @@
               </a:rPr>
               <a:t>赋值与复制</a:t>
             </a:r>
-            <a:endParaRPr lang="en-US" altLang="zh-CN" sz="2100" dirty="0">
+            <a:endParaRPr lang="en-US" altLang="zh-CN" sz="2200" dirty="0">
               <a:solidFill>
                 <a:schemeClr val="bg2"/>
               </a:solidFill>
@@ -20593,7 +20716,7 @@
                 <a:latin typeface="+mn-ea"/>
                 <a:ea typeface="+mn-ea"/>
               </a:rPr>
-              <a:t>pandas</a:t>
+              <a:t>Pandas</a:t>
             </a:r>
           </a:p>
         </p:txBody>
@@ -20612,8 +20735,8 @@
         </p:nvSpPr>
         <p:spPr>
           <a:xfrm>
-            <a:off x="317664" y="1543372"/>
-            <a:ext cx="8508670" cy="3428439"/>
+            <a:off x="381000" y="1562422"/>
+            <a:ext cx="8445334" cy="3905043"/>
           </a:xfrm>
           <a:prstGeom prst="rect">
             <a:avLst/>
@@ -20632,7 +20755,7 @@
               </a:lnSpc>
             </a:pPr>
             <a:r>
-              <a:rPr lang="en-US" sz="2100" b="1" dirty="0" err="1">
+              <a:rPr lang="en-US" b="1" dirty="0" err="1">
                 <a:solidFill>
                   <a:schemeClr val="bg2"/>
                 </a:solidFill>
@@ -20642,7 +20765,7 @@
               <a:t>简介</a:t>
             </a:r>
             <a:r>
-              <a:rPr lang="zh-CN" altLang="en-US" sz="2100" b="1" dirty="0">
+              <a:rPr lang="zh-CN" altLang="en-US" b="1" dirty="0">
                 <a:solidFill>
                   <a:schemeClr val="bg2"/>
                 </a:solidFill>
@@ -20652,7 +20775,7 @@
               <a:t>：</a:t>
             </a:r>
             <a:r>
-              <a:rPr lang="en-US" sz="2100" dirty="0">
+              <a:rPr lang="en-US" dirty="0">
                 <a:solidFill>
                   <a:schemeClr val="bg2"/>
                 </a:solidFill>
@@ -20662,7 +20785,7 @@
               <a:t>Pandas </a:t>
             </a:r>
             <a:r>
-              <a:rPr lang="zh-CN" altLang="en-US" sz="2100" dirty="0">
+              <a:rPr lang="zh-CN" altLang="en-US" dirty="0">
                 <a:solidFill>
                   <a:schemeClr val="bg2"/>
                 </a:solidFill>
@@ -20672,7 +20795,7 @@
               <a:t>是基于</a:t>
             </a:r>
             <a:r>
-              <a:rPr lang="en-US" sz="2100" dirty="0" err="1">
+              <a:rPr lang="en-US" dirty="0" err="1">
                 <a:solidFill>
                   <a:schemeClr val="bg2"/>
                 </a:solidFill>
@@ -20682,7 +20805,7 @@
               <a:t>Numpy开发</a:t>
             </a:r>
             <a:r>
-              <a:rPr lang="zh-CN" altLang="en-US" sz="2100" dirty="0">
+              <a:rPr lang="zh-CN" altLang="en-US" dirty="0">
                 <a:solidFill>
                   <a:schemeClr val="bg2"/>
                 </a:solidFill>
@@ -20692,7 +20815,7 @@
               <a:t>，用于数据挖掘、数据分析以及数据清洗的</a:t>
             </a:r>
             <a:r>
-              <a:rPr lang="en-US" altLang="zh-CN" sz="2100" dirty="0">
+              <a:rPr lang="en-US" altLang="zh-CN" dirty="0">
                 <a:solidFill>
                   <a:schemeClr val="bg2"/>
                 </a:solidFill>
@@ -20702,7 +20825,7 @@
               <a:t>python</a:t>
             </a:r>
             <a:r>
-              <a:rPr lang="zh-CN" altLang="en-US" sz="2100" dirty="0">
+              <a:rPr lang="zh-CN" altLang="en-US" dirty="0">
                 <a:solidFill>
                   <a:schemeClr val="bg2"/>
                 </a:solidFill>
@@ -20711,7 +20834,7 @@
               </a:rPr>
               <a:t>的第三方库。其提供了快速、灵活、明确的数据结构，能够简单、直观地处理结构化数据。</a:t>
             </a:r>
-            <a:endParaRPr lang="en-US" altLang="zh-CN" sz="2100" dirty="0">
+            <a:endParaRPr lang="en-US" altLang="zh-CN" dirty="0">
               <a:solidFill>
                 <a:schemeClr val="bg2"/>
               </a:solidFill>
@@ -20726,7 +20849,7 @@
               </a:lnSpc>
             </a:pPr>
             <a:r>
-              <a:rPr lang="zh-CN" altLang="en-US" sz="2100" b="1" dirty="0">
+              <a:rPr lang="zh-CN" altLang="en-US" b="1" dirty="0">
                 <a:solidFill>
                   <a:schemeClr val="bg2"/>
                 </a:solidFill>
@@ -20735,7 +20858,7 @@
               </a:rPr>
               <a:t>安装：</a:t>
             </a:r>
-            <a:endParaRPr lang="en-US" altLang="zh-CN" sz="2100" b="1" dirty="0">
+            <a:endParaRPr lang="en-US" altLang="zh-CN" b="1" dirty="0">
               <a:solidFill>
                 <a:schemeClr val="bg2"/>
               </a:solidFill>
@@ -20750,7 +20873,7 @@
               </a:lnSpc>
             </a:pPr>
             <a:r>
-              <a:rPr lang="en-US" altLang="zh-CN" sz="2100" dirty="0">
+              <a:rPr lang="en-US" altLang="zh-CN" dirty="0">
                 <a:solidFill>
                   <a:schemeClr val="bg2"/>
                 </a:solidFill>
@@ -20767,7 +20890,7 @@
               </a:lnSpc>
             </a:pPr>
             <a:r>
-              <a:rPr lang="en-US" altLang="zh-CN" sz="2100" dirty="0" err="1">
+              <a:rPr lang="en-US" altLang="zh-CN" dirty="0" err="1">
                 <a:solidFill>
                   <a:schemeClr val="bg2"/>
                 </a:solidFill>
@@ -20777,7 +20900,7 @@
               <a:t>conda</a:t>
             </a:r>
             <a:r>
-              <a:rPr lang="en-US" altLang="zh-CN" sz="2100" dirty="0">
+              <a:rPr lang="en-US" altLang="zh-CN" dirty="0">
                 <a:solidFill>
                   <a:schemeClr val="bg2"/>
                 </a:solidFill>
